--- a/2018/python/day1-review.pptx
+++ b/2018/python/day1-review.pptx
@@ -114,7 +114,7 @@
   </p:defaultTextStyle>
   <p:extLst>
     <p:ext uri="{EFAFB233-063F-42B5-8137-9DF3F51BA10A}">
-      <p15:sldGuideLst xmlns:p15="http://schemas.microsoft.com/office/powerpoint/2012/main" xmlns="">
+      <p15:sldGuideLst xmlns:p15="http://schemas.microsoft.com/office/powerpoint/2012/main">
         <p15:guide id="1" orient="horz" pos="2160">
           <p15:clr>
             <a:srgbClr val="A4A3A4"/>
@@ -213,7 +213,7 @@
           <a:p>
             <a:fld id="{91BDCAE1-DC13-3545-841A-A4DBCAED93AF}" type="datetimeFigureOut">
               <a:rPr lang="en-US" smtClean="0"/>
-              <a:t>6/4/17</a:t>
+              <a:t>6/1/2018</a:t>
             </a:fld>
             <a:endParaRPr lang="en-US"/>
           </a:p>
@@ -585,6 +585,11 @@
         </p:txBody>
       </p:sp>
     </p:spTree>
+    <p:extLst>
+      <p:ext uri="{BB962C8B-B14F-4D97-AF65-F5344CB8AC3E}">
+        <p14:creationId xmlns:p14="http://schemas.microsoft.com/office/powerpoint/2010/main" val="267106362"/>
+      </p:ext>
+    </p:extLst>
   </p:cSld>
   <p:clrMapOvr>
     <a:masterClrMapping/>
@@ -696,6 +701,11 @@
         </p:txBody>
       </p:sp>
     </p:spTree>
+    <p:extLst>
+      <p:ext uri="{BB962C8B-B14F-4D97-AF65-F5344CB8AC3E}">
+        <p14:creationId xmlns:p14="http://schemas.microsoft.com/office/powerpoint/2010/main" val="493430940"/>
+      </p:ext>
+    </p:extLst>
   </p:cSld>
   <p:clrMapOvr>
     <a:masterClrMapping/>
@@ -807,6 +817,11 @@
         </p:txBody>
       </p:sp>
     </p:spTree>
+    <p:extLst>
+      <p:ext uri="{BB962C8B-B14F-4D97-AF65-F5344CB8AC3E}">
+        <p14:creationId xmlns:p14="http://schemas.microsoft.com/office/powerpoint/2010/main" val="2163818665"/>
+      </p:ext>
+    </p:extLst>
   </p:cSld>
   <p:clrMapOvr>
     <a:masterClrMapping/>
@@ -918,6 +933,11 @@
         </p:txBody>
       </p:sp>
     </p:spTree>
+    <p:extLst>
+      <p:ext uri="{BB962C8B-B14F-4D97-AF65-F5344CB8AC3E}">
+        <p14:creationId xmlns:p14="http://schemas.microsoft.com/office/powerpoint/2010/main" val="573529071"/>
+      </p:ext>
+    </p:extLst>
   </p:cSld>
   <p:clrMapOvr>
     <a:masterClrMapping/>
@@ -1029,6 +1049,11 @@
         </p:txBody>
       </p:sp>
     </p:spTree>
+    <p:extLst>
+      <p:ext uri="{BB962C8B-B14F-4D97-AF65-F5344CB8AC3E}">
+        <p14:creationId xmlns:p14="http://schemas.microsoft.com/office/powerpoint/2010/main" val="2705572310"/>
+      </p:ext>
+    </p:extLst>
   </p:cSld>
   <p:clrMapOvr>
     <a:masterClrMapping/>
@@ -1217,7 +1242,7 @@
           <a:p>
             <a:fld id="{7C780E36-1438-D74D-8D9C-3089FABA7E39}" type="datetimeFigureOut">
               <a:rPr lang="en-US" smtClean="0"/>
-              <a:t>6/4/17</a:t>
+              <a:t>6/1/2018</a:t>
             </a:fld>
             <a:endParaRPr lang="en-US"/>
           </a:p>
@@ -1387,7 +1412,7 @@
           <a:p>
             <a:fld id="{7C780E36-1438-D74D-8D9C-3089FABA7E39}" type="datetimeFigureOut">
               <a:rPr lang="en-US" smtClean="0"/>
-              <a:t>6/4/17</a:t>
+              <a:t>6/1/2018</a:t>
             </a:fld>
             <a:endParaRPr lang="en-US"/>
           </a:p>
@@ -1567,7 +1592,7 @@
           <a:p>
             <a:fld id="{7C780E36-1438-D74D-8D9C-3089FABA7E39}" type="datetimeFigureOut">
               <a:rPr lang="en-US" smtClean="0"/>
-              <a:t>6/4/17</a:t>
+              <a:t>6/1/2018</a:t>
             </a:fld>
             <a:endParaRPr lang="en-US"/>
           </a:p>
@@ -2042,7 +2067,7 @@
           <a:p>
             <a:fld id="{7C780E36-1438-D74D-8D9C-3089FABA7E39}" type="datetimeFigureOut">
               <a:rPr lang="en-US" smtClean="0"/>
-              <a:t>6/4/17</a:t>
+              <a:t>6/1/2018</a:t>
             </a:fld>
             <a:endParaRPr lang="en-US"/>
           </a:p>
@@ -2288,7 +2313,7 @@
           <a:p>
             <a:fld id="{7C780E36-1438-D74D-8D9C-3089FABA7E39}" type="datetimeFigureOut">
               <a:rPr lang="en-US" smtClean="0"/>
-              <a:t>6/4/17</a:t>
+              <a:t>6/1/2018</a:t>
             </a:fld>
             <a:endParaRPr lang="en-US"/>
           </a:p>
@@ -2576,7 +2601,7 @@
           <a:p>
             <a:fld id="{7C780E36-1438-D74D-8D9C-3089FABA7E39}" type="datetimeFigureOut">
               <a:rPr lang="en-US" smtClean="0"/>
-              <a:t>6/4/17</a:t>
+              <a:t>6/1/2018</a:t>
             </a:fld>
             <a:endParaRPr lang="en-US"/>
           </a:p>
@@ -2998,7 +3023,7 @@
           <a:p>
             <a:fld id="{7C780E36-1438-D74D-8D9C-3089FABA7E39}" type="datetimeFigureOut">
               <a:rPr lang="en-US" smtClean="0"/>
-              <a:t>6/4/17</a:t>
+              <a:t>6/1/2018</a:t>
             </a:fld>
             <a:endParaRPr lang="en-US"/>
           </a:p>
@@ -3116,7 +3141,7 @@
           <a:p>
             <a:fld id="{7C780E36-1438-D74D-8D9C-3089FABA7E39}" type="datetimeFigureOut">
               <a:rPr lang="en-US" smtClean="0"/>
-              <a:t>6/4/17</a:t>
+              <a:t>6/1/2018</a:t>
             </a:fld>
             <a:endParaRPr lang="en-US"/>
           </a:p>
@@ -3211,7 +3236,7 @@
           <a:p>
             <a:fld id="{7C780E36-1438-D74D-8D9C-3089FABA7E39}" type="datetimeFigureOut">
               <a:rPr lang="en-US" smtClean="0"/>
-              <a:t>6/4/17</a:t>
+              <a:t>6/1/2018</a:t>
             </a:fld>
             <a:endParaRPr lang="en-US"/>
           </a:p>
@@ -3488,7 +3513,7 @@
           <a:p>
             <a:fld id="{7C780E36-1438-D74D-8D9C-3089FABA7E39}" type="datetimeFigureOut">
               <a:rPr lang="en-US" smtClean="0"/>
-              <a:t>6/4/17</a:t>
+              <a:t>6/1/2018</a:t>
             </a:fld>
             <a:endParaRPr lang="en-US"/>
           </a:p>
@@ -3741,7 +3766,7 @@
           <a:p>
             <a:fld id="{7C780E36-1438-D74D-8D9C-3089FABA7E39}" type="datetimeFigureOut">
               <a:rPr lang="en-US" smtClean="0"/>
-              <a:t>6/4/17</a:t>
+              <a:t>6/1/2018</a:t>
             </a:fld>
             <a:endParaRPr lang="en-US"/>
           </a:p>
@@ -3954,7 +3979,7 @@
           <a:p>
             <a:fld id="{7C780E36-1438-D74D-8D9C-3089FABA7E39}" type="datetimeFigureOut">
               <a:rPr lang="en-US" smtClean="0"/>
-              <a:t>6/4/17</a:t>
+              <a:t>6/1/2018</a:t>
             </a:fld>
             <a:endParaRPr lang="en-US"/>
           </a:p>
@@ -4414,7 +4439,11 @@
             </a:pPr>
             <a:r>
               <a:rPr lang="en-US" smtClean="0"/>
-              <a:t>HILT 2017</a:t>
+              <a:t>HILT </a:t>
+            </a:r>
+            <a:r>
+              <a:rPr lang="en-US" smtClean="0"/>
+              <a:t>2018</a:t>
             </a:r>
             <a:endParaRPr lang="en" dirty="0"/>
           </a:p>
@@ -4430,13 +4459,13 @@
   <p:clrMapOvr>
     <a:masterClrMapping/>
   </p:clrMapOvr>
-  <p:transition xmlns:p14="http://schemas.microsoft.com/office/powerpoint/2010/main" spd="slow">
+  <p:transition spd="slow">
     <p:cut/>
   </p:transition>
   <p:timing>
     <p:tnLst>
       <p:par>
-        <p:cTn xmlns:p14="http://schemas.microsoft.com/office/powerpoint/2010/main" id="1" dur="indefinite" restart="never" nodeType="tmRoot"/>
+        <p:cTn id="1" dur="indefinite" restart="never" nodeType="tmRoot"/>
       </p:par>
     </p:tnLst>
   </p:timing>
@@ -4652,13 +4681,13 @@
   <p:clrMapOvr>
     <a:masterClrMapping/>
   </p:clrMapOvr>
-  <p:transition xmlns:p14="http://schemas.microsoft.com/office/powerpoint/2010/main" spd="slow">
+  <p:transition spd="slow">
     <p:cut/>
   </p:transition>
   <p:timing>
     <p:tnLst>
       <p:par>
-        <p:cTn xmlns:p14="http://schemas.microsoft.com/office/powerpoint/2010/main" id="1" dur="indefinite" restart="never" nodeType="tmRoot"/>
+        <p:cTn id="1" dur="indefinite" restart="never" nodeType="tmRoot"/>
       </p:par>
     </p:tnLst>
   </p:timing>
@@ -4937,13 +4966,13 @@
   <p:clrMapOvr>
     <a:masterClrMapping/>
   </p:clrMapOvr>
-  <p:transition xmlns:p14="http://schemas.microsoft.com/office/powerpoint/2010/main" spd="slow">
+  <p:transition spd="slow">
     <p:cut/>
   </p:transition>
   <p:timing>
     <p:tnLst>
       <p:par>
-        <p:cTn xmlns:p14="http://schemas.microsoft.com/office/powerpoint/2010/main" id="1" dur="indefinite" restart="never" nodeType="tmRoot"/>
+        <p:cTn id="1" dur="indefinite" restart="never" nodeType="tmRoot"/>
       </p:par>
     </p:tnLst>
   </p:timing>
@@ -5042,7 +5071,7 @@
   <p:timing>
     <p:tnLst>
       <p:par>
-        <p:cTn xmlns:p14="http://schemas.microsoft.com/office/powerpoint/2010/main" id="1" dur="indefinite" restart="never" nodeType="tmRoot"/>
+        <p:cTn id="1" dur="indefinite" restart="never" nodeType="tmRoot"/>
       </p:par>
     </p:tnLst>
   </p:timing>
@@ -5204,13 +5233,13 @@
   <p:clrMapOvr>
     <a:masterClrMapping/>
   </p:clrMapOvr>
-  <p:transition xmlns:p14="http://schemas.microsoft.com/office/powerpoint/2010/main" spd="slow">
+  <p:transition spd="slow">
     <p:cut/>
   </p:transition>
   <p:timing>
     <p:tnLst>
       <p:par>
-        <p:cTn xmlns:p14="http://schemas.microsoft.com/office/powerpoint/2010/main" id="1" dur="indefinite" restart="never" nodeType="tmRoot"/>
+        <p:cTn id="1" dur="indefinite" restart="never" nodeType="tmRoot"/>
       </p:par>
     </p:tnLst>
   </p:timing>
@@ -5630,13 +5659,13 @@
   <p:clrMapOvr>
     <a:masterClrMapping/>
   </p:clrMapOvr>
-  <p:transition xmlns:p14="http://schemas.microsoft.com/office/powerpoint/2010/main" spd="slow">
+  <p:transition spd="slow">
     <p:cut/>
   </p:transition>
   <p:timing>
     <p:tnLst>
       <p:par>
-        <p:cTn xmlns:p14="http://schemas.microsoft.com/office/powerpoint/2010/main" id="1" dur="indefinite" restart="never" nodeType="tmRoot"/>
+        <p:cTn id="1" dur="indefinite" restart="never" nodeType="tmRoot"/>
       </p:par>
     </p:tnLst>
   </p:timing>

--- a/2018/python/day1-review.pptx
+++ b/2018/python/day1-review.pptx
@@ -830,6 +830,90 @@
 </file>
 
 <file path=ppt/notesSlides/notesSlide4.xml><?xml version="1.0" encoding="utf-8"?>
+<p:notes xmlns:a="http://schemas.openxmlformats.org/drawingml/2006/main" xmlns:r="http://schemas.openxmlformats.org/officeDocument/2006/relationships" xmlns:p="http://schemas.openxmlformats.org/presentationml/2006/main">
+  <p:cSld>
+    <p:spTree>
+      <p:nvGrpSpPr>
+        <p:cNvPr id="1" name=""/>
+        <p:cNvGrpSpPr/>
+        <p:nvPr/>
+      </p:nvGrpSpPr>
+      <p:grpSpPr>
+        <a:xfrm>
+          <a:off x="0" y="0"/>
+          <a:ext cx="0" cy="0"/>
+          <a:chOff x="0" y="0"/>
+          <a:chExt cx="0" cy="0"/>
+        </a:xfrm>
+      </p:grpSpPr>
+      <p:sp>
+        <p:nvSpPr>
+          <p:cNvPr id="2" name="Slide Image Placeholder 1"/>
+          <p:cNvSpPr>
+            <a:spLocks noGrp="1" noRot="1" noChangeAspect="1"/>
+          </p:cNvSpPr>
+          <p:nvPr>
+            <p:ph type="sldImg"/>
+          </p:nvPr>
+        </p:nvSpPr>
+        <p:spPr/>
+      </p:sp>
+      <p:sp>
+        <p:nvSpPr>
+          <p:cNvPr id="3" name="Notes Placeholder 2"/>
+          <p:cNvSpPr>
+            <a:spLocks noGrp="1"/>
+          </p:cNvSpPr>
+          <p:nvPr>
+            <p:ph type="body" idx="1"/>
+          </p:nvPr>
+        </p:nvSpPr>
+        <p:spPr/>
+        <p:txBody>
+          <a:bodyPr/>
+          <a:lstStyle/>
+          <a:p>
+            <a:endParaRPr lang="en-US" dirty="0"/>
+          </a:p>
+        </p:txBody>
+      </p:sp>
+      <p:sp>
+        <p:nvSpPr>
+          <p:cNvPr id="4" name="Slide Number Placeholder 3"/>
+          <p:cNvSpPr>
+            <a:spLocks noGrp="1"/>
+          </p:cNvSpPr>
+          <p:nvPr>
+            <p:ph type="sldNum" sz="quarter" idx="10"/>
+          </p:nvPr>
+        </p:nvSpPr>
+        <p:spPr/>
+        <p:txBody>
+          <a:bodyPr/>
+          <a:lstStyle/>
+          <a:p>
+            <a:fld id="{A9CC174F-F1AE-864A-B0AB-92F26DAE64FF}" type="slidenum">
+              <a:rPr lang="en-US" smtClean="0"/>
+              <a:t>4</a:t>
+            </a:fld>
+            <a:endParaRPr lang="en-US"/>
+          </a:p>
+        </p:txBody>
+      </p:sp>
+    </p:spTree>
+    <p:extLst>
+      <p:ext uri="{BB962C8B-B14F-4D97-AF65-F5344CB8AC3E}">
+        <p14:creationId xmlns:p14="http://schemas.microsoft.com/office/powerpoint/2010/main" val="324641378"/>
+      </p:ext>
+    </p:extLst>
+  </p:cSld>
+  <p:clrMapOvr>
+    <a:masterClrMapping/>
+  </p:clrMapOvr>
+</p:notes>
+</file>
+
+<file path=ppt/notesSlides/notesSlide5.xml><?xml version="1.0" encoding="utf-8"?>
 <p:notes xmlns:a="http://schemas.openxmlformats.org/drawingml/2006/main" xmlns:r="http://schemas.openxmlformats.org/officeDocument/2006/relationships" xmlns:p="http://schemas.openxmlformats.org/presentationml/2006/main" showMasterSp="0" showMasterPhAnim="0">
   <p:cSld>
     <p:spTree>
@@ -945,7 +1029,7 @@
 </p:notes>
 </file>
 
-<file path=ppt/notesSlides/notesSlide5.xml><?xml version="1.0" encoding="utf-8"?>
+<file path=ppt/notesSlides/notesSlide6.xml><?xml version="1.0" encoding="utf-8"?>
 <p:notes xmlns:a="http://schemas.openxmlformats.org/drawingml/2006/main" xmlns:r="http://schemas.openxmlformats.org/officeDocument/2006/relationships" xmlns:p="http://schemas.openxmlformats.org/presentationml/2006/main" showMasterSp="0" showMasterPhAnim="0">
   <p:cSld>
     <p:spTree>
@@ -1044,7 +1128,7 @@
               </a:spcBef>
               <a:buNone/>
             </a:pPr>
-            <a:endParaRPr/>
+            <a:endParaRPr dirty="0"/>
           </a:p>
         </p:txBody>
       </p:sp>
@@ -4439,11 +4523,7 @@
             </a:pPr>
             <a:r>
               <a:rPr lang="en-US" smtClean="0"/>
-              <a:t>HILT </a:t>
-            </a:r>
-            <a:r>
-              <a:rPr lang="en-US" smtClean="0"/>
-              <a:t>2018</a:t>
+              <a:t>HILT 2018</a:t>
             </a:r>
             <a:endParaRPr lang="en" dirty="0"/>
           </a:p>
@@ -5036,22 +5116,28 @@
       </p:sp>
       <p:pic>
         <p:nvPicPr>
-          <p:cNvPr id="4" name="Picture 3"/>
+          <p:cNvPr id="5" name="Picture 4"/>
           <p:cNvPicPr>
             <a:picLocks noChangeAspect="1"/>
           </p:cNvPicPr>
           <p:nvPr/>
         </p:nvPicPr>
         <p:blipFill>
-          <a:blip r:embed="rId2"/>
+          <a:blip r:embed="rId3">
+            <a:extLst>
+              <a:ext uri="{28A0092B-C50C-407E-A947-70E740481C1C}">
+                <a14:useLocalDpi xmlns:a14="http://schemas.microsoft.com/office/drawing/2010/main" val="0"/>
+              </a:ext>
+            </a:extLst>
+          </a:blip>
           <a:stretch>
             <a:fillRect/>
           </a:stretch>
         </p:blipFill>
         <p:spPr>
           <a:xfrm>
-            <a:off x="1854200" y="0"/>
-            <a:ext cx="5429250" cy="6858000"/>
+            <a:off x="902441" y="1417637"/>
+            <a:ext cx="7339118" cy="4250817"/>
           </a:xfrm>
           <a:prstGeom prst="rect">
             <a:avLst/>
@@ -5201,22 +5287,28 @@
       </p:sp>
       <p:pic>
         <p:nvPicPr>
-          <p:cNvPr id="2" name="Picture 1"/>
+          <p:cNvPr id="3" name="Picture 2"/>
           <p:cNvPicPr>
             <a:picLocks noChangeAspect="1"/>
           </p:cNvPicPr>
           <p:nvPr/>
         </p:nvPicPr>
         <p:blipFill>
-          <a:blip r:embed="rId3"/>
+          <a:blip r:embed="rId3">
+            <a:extLst>
+              <a:ext uri="{28A0092B-C50C-407E-A947-70E740481C1C}">
+                <a14:useLocalDpi xmlns:a14="http://schemas.microsoft.com/office/drawing/2010/main" val="0"/>
+              </a:ext>
+            </a:extLst>
+          </a:blip>
           <a:stretch>
             <a:fillRect/>
           </a:stretch>
         </p:blipFill>
         <p:spPr>
           <a:xfrm>
-            <a:off x="2984500" y="2489761"/>
-            <a:ext cx="3175000" cy="3175000"/>
+            <a:off x="1323975" y="1600200"/>
+            <a:ext cx="6496050" cy="4872038"/>
           </a:xfrm>
           <a:prstGeom prst="rect">
             <a:avLst/>

--- a/2018/python/day1-review.pptx
+++ b/2018/python/day1-review.pptx
@@ -5,15 +5,16 @@
     <p:sldMasterId id="2147483648" r:id="rId1"/>
   </p:sldMasterIdLst>
   <p:notesMasterIdLst>
-    <p:notesMasterId r:id="rId8"/>
+    <p:notesMasterId r:id="rId9"/>
   </p:notesMasterIdLst>
   <p:sldIdLst>
     <p:sldId id="257" r:id="rId2"/>
-    <p:sldId id="259" r:id="rId3"/>
-    <p:sldId id="260" r:id="rId4"/>
-    <p:sldId id="261" r:id="rId5"/>
-    <p:sldId id="263" r:id="rId6"/>
-    <p:sldId id="265" r:id="rId7"/>
+    <p:sldId id="266" r:id="rId3"/>
+    <p:sldId id="259" r:id="rId4"/>
+    <p:sldId id="260" r:id="rId5"/>
+    <p:sldId id="261" r:id="rId6"/>
+    <p:sldId id="263" r:id="rId7"/>
+    <p:sldId id="265" r:id="rId8"/>
   </p:sldIdLst>
   <p:sldSz cx="9144000" cy="6858000" type="screen4x3"/>
   <p:notesSz cx="6858000" cy="9144000"/>
@@ -114,7 +115,7 @@
   </p:defaultTextStyle>
   <p:extLst>
     <p:ext uri="{EFAFB233-063F-42B5-8137-9DF3F51BA10A}">
-      <p15:sldGuideLst xmlns:p15="http://schemas.microsoft.com/office/powerpoint/2012/main">
+      <p15:sldGuideLst xmlns:p15="http://schemas.microsoft.com/office/powerpoint/2012/main" xmlns="">
         <p15:guide id="1" orient="horz" pos="2160">
           <p15:clr>
             <a:srgbClr val="A4A3A4"/>
@@ -213,7 +214,7 @@
           <a:p>
             <a:fld id="{91BDCAE1-DC13-3545-841A-A4DBCAED93AF}" type="datetimeFigureOut">
               <a:rPr lang="en-US" smtClean="0"/>
-              <a:t>6/1/2018</a:t>
+              <a:t>6/5/18</a:t>
             </a:fld>
             <a:endParaRPr lang="en-US"/>
           </a:p>
@@ -819,7 +820,7 @@
     </p:spTree>
     <p:extLst>
       <p:ext uri="{BB962C8B-B14F-4D97-AF65-F5344CB8AC3E}">
-        <p14:creationId xmlns:p14="http://schemas.microsoft.com/office/powerpoint/2010/main" val="2163818665"/>
+        <p14:creationId xmlns:p14="http://schemas.microsoft.com/office/powerpoint/2010/main" val="493430940"/>
       </p:ext>
     </p:extLst>
   </p:cSld>
@@ -830,90 +831,6 @@
 </file>
 
 <file path=ppt/notesSlides/notesSlide4.xml><?xml version="1.0" encoding="utf-8"?>
-<p:notes xmlns:a="http://schemas.openxmlformats.org/drawingml/2006/main" xmlns:r="http://schemas.openxmlformats.org/officeDocument/2006/relationships" xmlns:p="http://schemas.openxmlformats.org/presentationml/2006/main">
-  <p:cSld>
-    <p:spTree>
-      <p:nvGrpSpPr>
-        <p:cNvPr id="1" name=""/>
-        <p:cNvGrpSpPr/>
-        <p:nvPr/>
-      </p:nvGrpSpPr>
-      <p:grpSpPr>
-        <a:xfrm>
-          <a:off x="0" y="0"/>
-          <a:ext cx="0" cy="0"/>
-          <a:chOff x="0" y="0"/>
-          <a:chExt cx="0" cy="0"/>
-        </a:xfrm>
-      </p:grpSpPr>
-      <p:sp>
-        <p:nvSpPr>
-          <p:cNvPr id="2" name="Slide Image Placeholder 1"/>
-          <p:cNvSpPr>
-            <a:spLocks noGrp="1" noRot="1" noChangeAspect="1"/>
-          </p:cNvSpPr>
-          <p:nvPr>
-            <p:ph type="sldImg"/>
-          </p:nvPr>
-        </p:nvSpPr>
-        <p:spPr/>
-      </p:sp>
-      <p:sp>
-        <p:nvSpPr>
-          <p:cNvPr id="3" name="Notes Placeholder 2"/>
-          <p:cNvSpPr>
-            <a:spLocks noGrp="1"/>
-          </p:cNvSpPr>
-          <p:nvPr>
-            <p:ph type="body" idx="1"/>
-          </p:nvPr>
-        </p:nvSpPr>
-        <p:spPr/>
-        <p:txBody>
-          <a:bodyPr/>
-          <a:lstStyle/>
-          <a:p>
-            <a:endParaRPr lang="en-US" dirty="0"/>
-          </a:p>
-        </p:txBody>
-      </p:sp>
-      <p:sp>
-        <p:nvSpPr>
-          <p:cNvPr id="4" name="Slide Number Placeholder 3"/>
-          <p:cNvSpPr>
-            <a:spLocks noGrp="1"/>
-          </p:cNvSpPr>
-          <p:nvPr>
-            <p:ph type="sldNum" sz="quarter" idx="10"/>
-          </p:nvPr>
-        </p:nvSpPr>
-        <p:spPr/>
-        <p:txBody>
-          <a:bodyPr/>
-          <a:lstStyle/>
-          <a:p>
-            <a:fld id="{A9CC174F-F1AE-864A-B0AB-92F26DAE64FF}" type="slidenum">
-              <a:rPr lang="en-US" smtClean="0"/>
-              <a:t>4</a:t>
-            </a:fld>
-            <a:endParaRPr lang="en-US"/>
-          </a:p>
-        </p:txBody>
-      </p:sp>
-    </p:spTree>
-    <p:extLst>
-      <p:ext uri="{BB962C8B-B14F-4D97-AF65-F5344CB8AC3E}">
-        <p14:creationId xmlns:p14="http://schemas.microsoft.com/office/powerpoint/2010/main" val="324641378"/>
-      </p:ext>
-    </p:extLst>
-  </p:cSld>
-  <p:clrMapOvr>
-    <a:masterClrMapping/>
-  </p:clrMapOvr>
-</p:notes>
-</file>
-
-<file path=ppt/notesSlides/notesSlide5.xml><?xml version="1.0" encoding="utf-8"?>
 <p:notes xmlns:a="http://schemas.openxmlformats.org/drawingml/2006/main" xmlns:r="http://schemas.openxmlformats.org/officeDocument/2006/relationships" xmlns:p="http://schemas.openxmlformats.org/presentationml/2006/main" showMasterSp="0" showMasterPhAnim="0">
   <p:cSld>
     <p:spTree>
@@ -1019,7 +936,91 @@
     </p:spTree>
     <p:extLst>
       <p:ext uri="{BB962C8B-B14F-4D97-AF65-F5344CB8AC3E}">
-        <p14:creationId xmlns:p14="http://schemas.microsoft.com/office/powerpoint/2010/main" val="573529071"/>
+        <p14:creationId xmlns:p14="http://schemas.microsoft.com/office/powerpoint/2010/main" val="2163818665"/>
+      </p:ext>
+    </p:extLst>
+  </p:cSld>
+  <p:clrMapOvr>
+    <a:masterClrMapping/>
+  </p:clrMapOvr>
+</p:notes>
+</file>
+
+<file path=ppt/notesSlides/notesSlide5.xml><?xml version="1.0" encoding="utf-8"?>
+<p:notes xmlns:a="http://schemas.openxmlformats.org/drawingml/2006/main" xmlns:r="http://schemas.openxmlformats.org/officeDocument/2006/relationships" xmlns:p="http://schemas.openxmlformats.org/presentationml/2006/main">
+  <p:cSld>
+    <p:spTree>
+      <p:nvGrpSpPr>
+        <p:cNvPr id="1" name=""/>
+        <p:cNvGrpSpPr/>
+        <p:nvPr/>
+      </p:nvGrpSpPr>
+      <p:grpSpPr>
+        <a:xfrm>
+          <a:off x="0" y="0"/>
+          <a:ext cx="0" cy="0"/>
+          <a:chOff x="0" y="0"/>
+          <a:chExt cx="0" cy="0"/>
+        </a:xfrm>
+      </p:grpSpPr>
+      <p:sp>
+        <p:nvSpPr>
+          <p:cNvPr id="2" name="Slide Image Placeholder 1"/>
+          <p:cNvSpPr>
+            <a:spLocks noGrp="1" noRot="1" noChangeAspect="1"/>
+          </p:cNvSpPr>
+          <p:nvPr>
+            <p:ph type="sldImg"/>
+          </p:nvPr>
+        </p:nvSpPr>
+        <p:spPr/>
+      </p:sp>
+      <p:sp>
+        <p:nvSpPr>
+          <p:cNvPr id="3" name="Notes Placeholder 2"/>
+          <p:cNvSpPr>
+            <a:spLocks noGrp="1"/>
+          </p:cNvSpPr>
+          <p:nvPr>
+            <p:ph type="body" idx="1"/>
+          </p:nvPr>
+        </p:nvSpPr>
+        <p:spPr/>
+        <p:txBody>
+          <a:bodyPr/>
+          <a:lstStyle/>
+          <a:p>
+            <a:endParaRPr lang="en-US" dirty="0"/>
+          </a:p>
+        </p:txBody>
+      </p:sp>
+      <p:sp>
+        <p:nvSpPr>
+          <p:cNvPr id="4" name="Slide Number Placeholder 3"/>
+          <p:cNvSpPr>
+            <a:spLocks noGrp="1"/>
+          </p:cNvSpPr>
+          <p:nvPr>
+            <p:ph type="sldNum" sz="quarter" idx="10"/>
+          </p:nvPr>
+        </p:nvSpPr>
+        <p:spPr/>
+        <p:txBody>
+          <a:bodyPr/>
+          <a:lstStyle/>
+          <a:p>
+            <a:fld id="{A9CC174F-F1AE-864A-B0AB-92F26DAE64FF}" type="slidenum">
+              <a:rPr lang="en-US" smtClean="0"/>
+              <a:t>5</a:t>
+            </a:fld>
+            <a:endParaRPr lang="en-US"/>
+          </a:p>
+        </p:txBody>
+      </p:sp>
+    </p:spTree>
+    <p:extLst>
+      <p:ext uri="{BB962C8B-B14F-4D97-AF65-F5344CB8AC3E}">
+        <p14:creationId xmlns:p14="http://schemas.microsoft.com/office/powerpoint/2010/main" val="324641378"/>
       </p:ext>
     </p:extLst>
   </p:cSld>
@@ -1128,6 +1129,122 @@
               </a:spcBef>
               <a:buNone/>
             </a:pPr>
+            <a:endParaRPr/>
+          </a:p>
+        </p:txBody>
+      </p:sp>
+    </p:spTree>
+    <p:extLst>
+      <p:ext uri="{BB962C8B-B14F-4D97-AF65-F5344CB8AC3E}">
+        <p14:creationId xmlns:p14="http://schemas.microsoft.com/office/powerpoint/2010/main" val="573529071"/>
+      </p:ext>
+    </p:extLst>
+  </p:cSld>
+  <p:clrMapOvr>
+    <a:masterClrMapping/>
+  </p:clrMapOvr>
+</p:notes>
+</file>
+
+<file path=ppt/notesSlides/notesSlide7.xml><?xml version="1.0" encoding="utf-8"?>
+<p:notes xmlns:a="http://schemas.openxmlformats.org/drawingml/2006/main" xmlns:r="http://schemas.openxmlformats.org/officeDocument/2006/relationships" xmlns:p="http://schemas.openxmlformats.org/presentationml/2006/main" showMasterSp="0" showMasterPhAnim="0">
+  <p:cSld>
+    <p:spTree>
+      <p:nvGrpSpPr>
+        <p:cNvPr id="1" name="Shape 31"/>
+        <p:cNvGrpSpPr/>
+        <p:nvPr/>
+      </p:nvGrpSpPr>
+      <p:grpSpPr>
+        <a:xfrm>
+          <a:off x="0" y="0"/>
+          <a:ext cx="0" cy="0"/>
+          <a:chOff x="0" y="0"/>
+          <a:chExt cx="0" cy="0"/>
+        </a:xfrm>
+      </p:grpSpPr>
+      <p:sp>
+        <p:nvSpPr>
+          <p:cNvPr id="32" name="Shape 32"/>
+          <p:cNvSpPr>
+            <a:spLocks noGrp="1" noRot="1" noChangeAspect="1"/>
+          </p:cNvSpPr>
+          <p:nvPr>
+            <p:ph type="sldImg" idx="2"/>
+          </p:nvPr>
+        </p:nvSpPr>
+        <p:spPr>
+          <a:xfrm>
+            <a:off x="1143000" y="685800"/>
+            <a:ext cx="4572000" cy="3429000"/>
+          </a:xfrm>
+          <a:custGeom>
+            <a:avLst/>
+            <a:gdLst/>
+            <a:ahLst/>
+            <a:cxnLst/>
+            <a:rect l="0" t="0" r="0" b="0"/>
+            <a:pathLst>
+              <a:path w="120000" h="120000" extrusionOk="0">
+                <a:moveTo>
+                  <a:pt x="0" y="0"/>
+                </a:moveTo>
+                <a:lnTo>
+                  <a:pt x="120000" y="0"/>
+                </a:lnTo>
+                <a:lnTo>
+                  <a:pt x="120000" y="120000"/>
+                </a:lnTo>
+                <a:lnTo>
+                  <a:pt x="0" y="120000"/>
+                </a:lnTo>
+                <a:close/>
+              </a:path>
+            </a:pathLst>
+          </a:custGeom>
+          <a:noFill/>
+          <a:ln w="9525" cap="flat">
+            <a:solidFill>
+              <a:srgbClr val="000000"/>
+            </a:solidFill>
+            <a:prstDash val="solid"/>
+            <a:round/>
+            <a:headEnd type="none" w="med" len="med"/>
+            <a:tailEnd type="none" w="med" len="med"/>
+          </a:ln>
+        </p:spPr>
+      </p:sp>
+      <p:sp>
+        <p:nvSpPr>
+          <p:cNvPr id="33" name="Shape 33"/>
+          <p:cNvSpPr txBox="1">
+            <a:spLocks noGrp="1"/>
+          </p:cNvSpPr>
+          <p:nvPr>
+            <p:ph type="body" idx="1"/>
+          </p:nvPr>
+        </p:nvSpPr>
+        <p:spPr>
+          <a:xfrm>
+            <a:off x="685800" y="4343400"/>
+            <a:ext cx="5486399" cy="4114800"/>
+          </a:xfrm>
+          <a:prstGeom prst="rect">
+            <a:avLst/>
+          </a:prstGeom>
+        </p:spPr>
+        <p:txBody>
+          <a:bodyPr lIns="91425" tIns="91425" rIns="91425" bIns="91425" anchor="t" anchorCtr="0">
+            <a:noAutofit/>
+          </a:bodyPr>
+          <a:lstStyle/>
+          <a:p>
+            <a:pPr>
+              <a:spcBef>
+                <a:spcPts val="0"/>
+              </a:spcBef>
+              <a:buNone/>
+            </a:pPr>
             <a:endParaRPr dirty="0"/>
           </a:p>
         </p:txBody>
@@ -1326,7 +1443,7 @@
           <a:p>
             <a:fld id="{7C780E36-1438-D74D-8D9C-3089FABA7E39}" type="datetimeFigureOut">
               <a:rPr lang="en-US" smtClean="0"/>
-              <a:t>6/1/2018</a:t>
+              <a:t>6/5/18</a:t>
             </a:fld>
             <a:endParaRPr lang="en-US"/>
           </a:p>
@@ -1496,7 +1613,7 @@
           <a:p>
             <a:fld id="{7C780E36-1438-D74D-8D9C-3089FABA7E39}" type="datetimeFigureOut">
               <a:rPr lang="en-US" smtClean="0"/>
-              <a:t>6/1/2018</a:t>
+              <a:t>6/5/18</a:t>
             </a:fld>
             <a:endParaRPr lang="en-US"/>
           </a:p>
@@ -1676,7 +1793,7 @@
           <a:p>
             <a:fld id="{7C780E36-1438-D74D-8D9C-3089FABA7E39}" type="datetimeFigureOut">
               <a:rPr lang="en-US" smtClean="0"/>
-              <a:t>6/1/2018</a:t>
+              <a:t>6/5/18</a:t>
             </a:fld>
             <a:endParaRPr lang="en-US"/>
           </a:p>
@@ -2151,7 +2268,7 @@
           <a:p>
             <a:fld id="{7C780E36-1438-D74D-8D9C-3089FABA7E39}" type="datetimeFigureOut">
               <a:rPr lang="en-US" smtClean="0"/>
-              <a:t>6/1/2018</a:t>
+              <a:t>6/5/18</a:t>
             </a:fld>
             <a:endParaRPr lang="en-US"/>
           </a:p>
@@ -2397,7 +2514,7 @@
           <a:p>
             <a:fld id="{7C780E36-1438-D74D-8D9C-3089FABA7E39}" type="datetimeFigureOut">
               <a:rPr lang="en-US" smtClean="0"/>
-              <a:t>6/1/2018</a:t>
+              <a:t>6/5/18</a:t>
             </a:fld>
             <a:endParaRPr lang="en-US"/>
           </a:p>
@@ -2685,7 +2802,7 @@
           <a:p>
             <a:fld id="{7C780E36-1438-D74D-8D9C-3089FABA7E39}" type="datetimeFigureOut">
               <a:rPr lang="en-US" smtClean="0"/>
-              <a:t>6/1/2018</a:t>
+              <a:t>6/5/18</a:t>
             </a:fld>
             <a:endParaRPr lang="en-US"/>
           </a:p>
@@ -3107,7 +3224,7 @@
           <a:p>
             <a:fld id="{7C780E36-1438-D74D-8D9C-3089FABA7E39}" type="datetimeFigureOut">
               <a:rPr lang="en-US" smtClean="0"/>
-              <a:t>6/1/2018</a:t>
+              <a:t>6/5/18</a:t>
             </a:fld>
             <a:endParaRPr lang="en-US"/>
           </a:p>
@@ -3225,7 +3342,7 @@
           <a:p>
             <a:fld id="{7C780E36-1438-D74D-8D9C-3089FABA7E39}" type="datetimeFigureOut">
               <a:rPr lang="en-US" smtClean="0"/>
-              <a:t>6/1/2018</a:t>
+              <a:t>6/5/18</a:t>
             </a:fld>
             <a:endParaRPr lang="en-US"/>
           </a:p>
@@ -3320,7 +3437,7 @@
           <a:p>
             <a:fld id="{7C780E36-1438-D74D-8D9C-3089FABA7E39}" type="datetimeFigureOut">
               <a:rPr lang="en-US" smtClean="0"/>
-              <a:t>6/1/2018</a:t>
+              <a:t>6/5/18</a:t>
             </a:fld>
             <a:endParaRPr lang="en-US"/>
           </a:p>
@@ -3597,7 +3714,7 @@
           <a:p>
             <a:fld id="{7C780E36-1438-D74D-8D9C-3089FABA7E39}" type="datetimeFigureOut">
               <a:rPr lang="en-US" smtClean="0"/>
-              <a:t>6/1/2018</a:t>
+              <a:t>6/5/18</a:t>
             </a:fld>
             <a:endParaRPr lang="en-US"/>
           </a:p>
@@ -3850,7 +3967,7 @@
           <a:p>
             <a:fld id="{7C780E36-1438-D74D-8D9C-3089FABA7E39}" type="datetimeFigureOut">
               <a:rPr lang="en-US" smtClean="0"/>
-              <a:t>6/1/2018</a:t>
+              <a:t>6/5/18</a:t>
             </a:fld>
             <a:endParaRPr lang="en-US"/>
           </a:p>
@@ -4063,7 +4180,7 @@
           <a:p>
             <a:fld id="{7C780E36-1438-D74D-8D9C-3089FABA7E39}" type="datetimeFigureOut">
               <a:rPr lang="en-US" smtClean="0"/>
-              <a:t>6/1/2018</a:t>
+              <a:t>6/5/18</a:t>
             </a:fld>
             <a:endParaRPr lang="en-US"/>
           </a:p>
@@ -4539,13 +4656,13 @@
   <p:clrMapOvr>
     <a:masterClrMapping/>
   </p:clrMapOvr>
-  <p:transition spd="slow">
+  <p:transition xmlns:p14="http://schemas.microsoft.com/office/powerpoint/2010/main" spd="slow">
     <p:cut/>
   </p:transition>
   <p:timing>
     <p:tnLst>
       <p:par>
-        <p:cTn id="1" dur="indefinite" restart="never" nodeType="tmRoot"/>
+        <p:cTn xmlns:p14="http://schemas.microsoft.com/office/powerpoint/2010/main" id="1" dur="indefinite" restart="never" nodeType="tmRoot"/>
       </p:par>
     </p:tnLst>
   </p:timing>
@@ -4608,7 +4725,7 @@
                 <a:latin typeface="Yanone Kaffeesatz Bold"/>
                 <a:cs typeface="Yanone Kaffeesatz Bold"/>
               </a:rPr>
-              <a:t>Command Line</a:t>
+              <a:t>We Take Requests</a:t>
             </a:r>
             <a:endParaRPr lang="en" sz="7200" dirty="0">
               <a:solidFill>
@@ -4660,13 +4777,14 @@
               <a:buChar char="●"/>
             </a:pPr>
             <a:r>
-              <a:rPr lang="en-US" dirty="0" smtClean="0">
+              <a:rPr lang="en-US" dirty="0" err="1" smtClean="0">
                 <a:latin typeface="Open Sans"/>
                 <a:ea typeface="Open Sans"/>
                 <a:cs typeface="Open Sans"/>
               </a:rPr>
-              <a:t>How do you know where you are?</a:t>
-            </a:r>
+              <a:t>sli.do</a:t>
+            </a:r>
+            <a:endParaRPr lang="en-US" dirty="0" smtClean="0"/>
           </a:p>
           <a:p>
             <a:pPr marL="457200" lvl="0" indent="-419100" rtl="0">
@@ -4685,28 +4803,7 @@
             </a:pPr>
             <a:r>
               <a:rPr lang="en-US" dirty="0" smtClean="0"/>
-              <a:t>How do you make a new folder?</a:t>
-            </a:r>
-          </a:p>
-          <a:p>
-            <a:pPr marL="457200" indent="-419100">
-              <a:lnSpc>
-                <a:spcPct val="130000"/>
-              </a:lnSpc>
-              <a:buClr>
-                <a:schemeClr val="dk1"/>
-              </a:buClr>
-              <a:buSzPct val="100000"/>
-              <a:buFont typeface="Arial"/>
-              <a:buChar char="●"/>
-            </a:pPr>
-            <a:r>
-              <a:rPr lang="en-US" dirty="0"/>
-              <a:t>How do you move in to a directory</a:t>
-            </a:r>
-            <a:r>
-              <a:rPr lang="en-US" dirty="0" smtClean="0"/>
-              <a:t>?</a:t>
+              <a:t>code is TONY</a:t>
             </a:r>
           </a:p>
           <a:p>
@@ -4725,8 +4822,12 @@
               <a:buChar char="●"/>
             </a:pPr>
             <a:r>
-              <a:rPr lang="en-US" dirty="0" smtClean="0"/>
-              <a:t>How do you see all the files in a directory?</a:t>
+              <a:rPr lang="en-US" dirty="0" smtClean="0">
+                <a:latin typeface="Open Sans"/>
+                <a:ea typeface="Open Sans"/>
+                <a:cs typeface="Open Sans"/>
+              </a:rPr>
+              <a:t>What are some things you want us to talk about a bit during the week?</a:t>
             </a:r>
           </a:p>
           <a:p>
@@ -4746,28 +4847,73 @@
             </a:pPr>
             <a:r>
               <a:rPr lang="en-US" dirty="0" smtClean="0"/>
-              <a:t>How do you look up what a command does?</a:t>
-            </a:r>
+              <a:t>First half of the class enters some ideas.</a:t>
+            </a:r>
+          </a:p>
+          <a:p>
+            <a:pPr marL="457200" lvl="0" indent="-419100" rtl="0">
+              <a:lnSpc>
+                <a:spcPct val="130000"/>
+              </a:lnSpc>
+              <a:spcBef>
+                <a:spcPts val="0"/>
+              </a:spcBef>
+              <a:buClr>
+                <a:schemeClr val="dk1"/>
+              </a:buClr>
+              <a:buSzPct val="100000"/>
+              <a:buFont typeface="Arial"/>
+              <a:buChar char="●"/>
+            </a:pPr>
+            <a:r>
+              <a:rPr lang="en-US" dirty="0" smtClean="0">
+                <a:latin typeface="Open Sans"/>
+                <a:ea typeface="Open Sans"/>
+                <a:cs typeface="Open Sans"/>
+              </a:rPr>
+              <a:t>Second half </a:t>
+            </a:r>
+            <a:r>
+              <a:rPr lang="en-US" dirty="0" err="1" smtClean="0">
+                <a:latin typeface="Open Sans"/>
+                <a:ea typeface="Open Sans"/>
+                <a:cs typeface="Open Sans"/>
+              </a:rPr>
+              <a:t>upvotes</a:t>
+            </a:r>
+            <a:r>
+              <a:rPr lang="en-US" smtClean="0">
+                <a:latin typeface="Open Sans"/>
+                <a:ea typeface="Open Sans"/>
+                <a:cs typeface="Open Sans"/>
+              </a:rPr>
+              <a:t>.</a:t>
+            </a:r>
+            <a:endParaRPr lang="en-US" dirty="0" smtClean="0">
+              <a:latin typeface="Open Sans"/>
+              <a:ea typeface="Open Sans"/>
+              <a:cs typeface="Open Sans"/>
+            </a:endParaRPr>
           </a:p>
         </p:txBody>
       </p:sp>
     </p:spTree>
     <p:extLst>
       <p:ext uri="{BB962C8B-B14F-4D97-AF65-F5344CB8AC3E}">
-        <p14:creationId xmlns:p14="http://schemas.microsoft.com/office/powerpoint/2010/main" val="3027272719"/>
+        <p14:creationId xmlns:p14="http://schemas.microsoft.com/office/powerpoint/2010/main" val="3689230896"/>
       </p:ext>
     </p:extLst>
   </p:cSld>
   <p:clrMapOvr>
     <a:masterClrMapping/>
   </p:clrMapOvr>
-  <p:transition spd="slow">
+  <p:transition xmlns:p14="http://schemas.microsoft.com/office/powerpoint/2010/main" spd="slow">
     <p:cut/>
   </p:transition>
   <p:timing>
     <p:tnLst>
       <p:par>
-        <p:cTn id="1" dur="indefinite" restart="never" nodeType="tmRoot"/>
+        <p:cTn xmlns:p14="http://schemas.microsoft.com/office/powerpoint/2010/main" id="1" dur="indefinite" restart="never" nodeType="tmRoot"/>
       </p:par>
     </p:tnLst>
   </p:timing>
@@ -4823,14 +4969,14 @@
               <a:buNone/>
             </a:pPr>
             <a:r>
-              <a:rPr lang="en-US" sz="7200" dirty="0" err="1" smtClean="0">
+              <a:rPr lang="en-US" sz="7200" dirty="0" smtClean="0">
                 <a:solidFill>
                   <a:srgbClr val="FF0000"/>
                 </a:solidFill>
                 <a:latin typeface="Yanone Kaffeesatz Bold"/>
                 <a:cs typeface="Yanone Kaffeesatz Bold"/>
               </a:rPr>
-              <a:t>Git</a:t>
+              <a:t>Command Line</a:t>
             </a:r>
             <a:endParaRPr lang="en" sz="7200" dirty="0">
               <a:solidFill>
@@ -4887,23 +5033,7 @@
                 <a:ea typeface="Open Sans"/>
                 <a:cs typeface="Open Sans"/>
               </a:rPr>
-              <a:t>How do you create a </a:t>
-            </a:r>
-            <a:r>
-              <a:rPr lang="en-US" dirty="0" err="1" smtClean="0">
-                <a:latin typeface="Open Sans"/>
-                <a:ea typeface="Open Sans"/>
-                <a:cs typeface="Open Sans"/>
-              </a:rPr>
-              <a:t>git</a:t>
-            </a:r>
-            <a:r>
-              <a:rPr lang="en-US" dirty="0" smtClean="0">
-                <a:latin typeface="Open Sans"/>
-                <a:ea typeface="Open Sans"/>
-                <a:cs typeface="Open Sans"/>
-              </a:rPr>
-              <a:t> repository?</a:t>
+              <a:t>How do you know where you are?</a:t>
             </a:r>
           </a:p>
           <a:p>
@@ -4923,15 +5053,28 @@
             </a:pPr>
             <a:r>
               <a:rPr lang="en-US" dirty="0" smtClean="0"/>
-              <a:t>What is the </a:t>
-            </a:r>
-            <a:r>
-              <a:rPr lang="en-US" dirty="0" err="1" smtClean="0"/>
-              <a:t>git</a:t>
+              <a:t>How do you make a new folder?</a:t>
+            </a:r>
+          </a:p>
+          <a:p>
+            <a:pPr marL="457200" indent="-419100">
+              <a:lnSpc>
+                <a:spcPct val="130000"/>
+              </a:lnSpc>
+              <a:buClr>
+                <a:schemeClr val="dk1"/>
+              </a:buClr>
+              <a:buSzPct val="100000"/>
+              <a:buFont typeface="Arial"/>
+              <a:buChar char="●"/>
+            </a:pPr>
+            <a:r>
+              <a:rPr lang="en-US" dirty="0"/>
+              <a:t>How do you move in to a directory</a:t>
             </a:r>
             <a:r>
               <a:rPr lang="en-US" dirty="0" smtClean="0"/>
-              <a:t> workflow we kept going over?</a:t>
+              <a:t>?</a:t>
             </a:r>
           </a:p>
           <a:p>
@@ -4951,6 +5094,231 @@
             </a:pPr>
             <a:r>
               <a:rPr lang="en-US" dirty="0" smtClean="0"/>
+              <a:t>How do you see all the files in a directory?</a:t>
+            </a:r>
+          </a:p>
+          <a:p>
+            <a:pPr marL="457200" lvl="0" indent="-419100" rtl="0">
+              <a:lnSpc>
+                <a:spcPct val="130000"/>
+              </a:lnSpc>
+              <a:spcBef>
+                <a:spcPts val="0"/>
+              </a:spcBef>
+              <a:buClr>
+                <a:schemeClr val="dk1"/>
+              </a:buClr>
+              <a:buSzPct val="100000"/>
+              <a:buFont typeface="Arial"/>
+              <a:buChar char="●"/>
+            </a:pPr>
+            <a:r>
+              <a:rPr lang="en-US" dirty="0" smtClean="0"/>
+              <a:t>How do you look up what a command does?</a:t>
+            </a:r>
+          </a:p>
+        </p:txBody>
+      </p:sp>
+    </p:spTree>
+    <p:extLst>
+      <p:ext uri="{BB962C8B-B14F-4D97-AF65-F5344CB8AC3E}">
+        <p14:creationId xmlns:p14="http://schemas.microsoft.com/office/powerpoint/2010/main" val="3027272719"/>
+      </p:ext>
+    </p:extLst>
+  </p:cSld>
+  <p:clrMapOvr>
+    <a:masterClrMapping/>
+  </p:clrMapOvr>
+  <p:transition xmlns:p14="http://schemas.microsoft.com/office/powerpoint/2010/main" spd="slow">
+    <p:cut/>
+  </p:transition>
+  <p:timing>
+    <p:tnLst>
+      <p:par>
+        <p:cTn xmlns:p14="http://schemas.microsoft.com/office/powerpoint/2010/main" id="1" dur="indefinite" restart="never" nodeType="tmRoot"/>
+      </p:par>
+    </p:tnLst>
+  </p:timing>
+</p:sld>
+</file>
+
+<file path=ppt/slides/slide4.xml><?xml version="1.0" encoding="utf-8"?>
+<p:sld xmlns:a="http://schemas.openxmlformats.org/drawingml/2006/main" xmlns:r="http://schemas.openxmlformats.org/officeDocument/2006/relationships" xmlns:p="http://schemas.openxmlformats.org/presentationml/2006/main">
+  <p:cSld>
+    <p:spTree>
+      <p:nvGrpSpPr>
+        <p:cNvPr id="1" name="Shape 28"/>
+        <p:cNvGrpSpPr/>
+        <p:nvPr/>
+      </p:nvGrpSpPr>
+      <p:grpSpPr>
+        <a:xfrm>
+          <a:off x="0" y="0"/>
+          <a:ext cx="0" cy="0"/>
+          <a:chOff x="0" y="0"/>
+          <a:chExt cx="0" cy="0"/>
+        </a:xfrm>
+      </p:grpSpPr>
+      <p:sp>
+        <p:nvSpPr>
+          <p:cNvPr id="29" name="Shape 29"/>
+          <p:cNvSpPr txBox="1">
+            <a:spLocks noGrp="1"/>
+          </p:cNvSpPr>
+          <p:nvPr>
+            <p:ph type="title"/>
+          </p:nvPr>
+        </p:nvSpPr>
+        <p:spPr>
+          <a:xfrm>
+            <a:off x="457200" y="274637"/>
+            <a:ext cx="8229600" cy="1143000"/>
+          </a:xfrm>
+          <a:prstGeom prst="rect">
+            <a:avLst/>
+          </a:prstGeom>
+        </p:spPr>
+        <p:txBody>
+          <a:bodyPr lIns="91425" tIns="91425" rIns="91425" bIns="91425" anchor="b" anchorCtr="0">
+            <a:noAutofit/>
+          </a:bodyPr>
+          <a:lstStyle/>
+          <a:p>
+            <a:pPr>
+              <a:spcBef>
+                <a:spcPts val="0"/>
+              </a:spcBef>
+              <a:buNone/>
+            </a:pPr>
+            <a:r>
+              <a:rPr lang="en-US" sz="7200" dirty="0" err="1" smtClean="0">
+                <a:solidFill>
+                  <a:srgbClr val="FF0000"/>
+                </a:solidFill>
+                <a:latin typeface="Yanone Kaffeesatz Bold"/>
+                <a:cs typeface="Yanone Kaffeesatz Bold"/>
+              </a:rPr>
+              <a:t>Git</a:t>
+            </a:r>
+            <a:endParaRPr lang="en" sz="7200" dirty="0">
+              <a:solidFill>
+                <a:srgbClr val="FF0000"/>
+              </a:solidFill>
+              <a:latin typeface="Yanone Kaffeesatz Bold"/>
+              <a:cs typeface="Yanone Kaffeesatz Bold"/>
+            </a:endParaRPr>
+          </a:p>
+        </p:txBody>
+      </p:sp>
+      <p:sp>
+        <p:nvSpPr>
+          <p:cNvPr id="30" name="Shape 30"/>
+          <p:cNvSpPr txBox="1">
+            <a:spLocks noGrp="1"/>
+          </p:cNvSpPr>
+          <p:nvPr>
+            <p:ph type="body" idx="1"/>
+          </p:nvPr>
+        </p:nvSpPr>
+        <p:spPr>
+          <a:xfrm>
+            <a:off x="457200" y="1600200"/>
+            <a:ext cx="8229600" cy="4967700"/>
+          </a:xfrm>
+          <a:prstGeom prst="rect">
+            <a:avLst/>
+          </a:prstGeom>
+        </p:spPr>
+        <p:txBody>
+          <a:bodyPr lIns="91425" tIns="91425" rIns="91425" bIns="91425" anchor="t" anchorCtr="0">
+            <a:noAutofit/>
+          </a:bodyPr>
+          <a:lstStyle/>
+          <a:p>
+            <a:pPr marL="457200" lvl="0" indent="-419100" rtl="0">
+              <a:lnSpc>
+                <a:spcPct val="130000"/>
+              </a:lnSpc>
+              <a:spcBef>
+                <a:spcPts val="0"/>
+              </a:spcBef>
+              <a:buClr>
+                <a:schemeClr val="dk1"/>
+              </a:buClr>
+              <a:buSzPct val="100000"/>
+              <a:buFont typeface="Arial"/>
+              <a:buChar char="●"/>
+            </a:pPr>
+            <a:r>
+              <a:rPr lang="en-US" dirty="0" smtClean="0">
+                <a:latin typeface="Open Sans"/>
+                <a:ea typeface="Open Sans"/>
+                <a:cs typeface="Open Sans"/>
+              </a:rPr>
+              <a:t>How do you create a </a:t>
+            </a:r>
+            <a:r>
+              <a:rPr lang="en-US" dirty="0" err="1" smtClean="0">
+                <a:latin typeface="Open Sans"/>
+                <a:ea typeface="Open Sans"/>
+                <a:cs typeface="Open Sans"/>
+              </a:rPr>
+              <a:t>git</a:t>
+            </a:r>
+            <a:r>
+              <a:rPr lang="en-US" dirty="0" smtClean="0">
+                <a:latin typeface="Open Sans"/>
+                <a:ea typeface="Open Sans"/>
+                <a:cs typeface="Open Sans"/>
+              </a:rPr>
+              <a:t> repository?</a:t>
+            </a:r>
+          </a:p>
+          <a:p>
+            <a:pPr marL="457200" lvl="0" indent="-419100" rtl="0">
+              <a:lnSpc>
+                <a:spcPct val="130000"/>
+              </a:lnSpc>
+              <a:spcBef>
+                <a:spcPts val="0"/>
+              </a:spcBef>
+              <a:buClr>
+                <a:schemeClr val="dk1"/>
+              </a:buClr>
+              <a:buSzPct val="100000"/>
+              <a:buFont typeface="Arial"/>
+              <a:buChar char="●"/>
+            </a:pPr>
+            <a:r>
+              <a:rPr lang="en-US" dirty="0" smtClean="0"/>
+              <a:t>What is the </a:t>
+            </a:r>
+            <a:r>
+              <a:rPr lang="en-US" dirty="0" err="1" smtClean="0"/>
+              <a:t>git</a:t>
+            </a:r>
+            <a:r>
+              <a:rPr lang="en-US" dirty="0" smtClean="0"/>
+              <a:t> workflow we kept going over?</a:t>
+            </a:r>
+          </a:p>
+          <a:p>
+            <a:pPr marL="457200" lvl="0" indent="-419100" rtl="0">
+              <a:lnSpc>
+                <a:spcPct val="130000"/>
+              </a:lnSpc>
+              <a:spcBef>
+                <a:spcPts val="0"/>
+              </a:spcBef>
+              <a:buClr>
+                <a:schemeClr val="dk1"/>
+              </a:buClr>
+              <a:buSzPct val="100000"/>
+              <a:buFont typeface="Arial"/>
+              <a:buChar char="●"/>
+            </a:pPr>
+            <a:r>
+              <a:rPr lang="en-US" dirty="0" smtClean="0"/>
               <a:t>What is </a:t>
             </a:r>
             <a:r>
@@ -5046,20 +5414,20 @@
   <p:clrMapOvr>
     <a:masterClrMapping/>
   </p:clrMapOvr>
-  <p:transition spd="slow">
+  <p:transition xmlns:p14="http://schemas.microsoft.com/office/powerpoint/2010/main" spd="slow">
     <p:cut/>
   </p:transition>
   <p:timing>
     <p:tnLst>
       <p:par>
-        <p:cTn id="1" dur="indefinite" restart="never" nodeType="tmRoot"/>
+        <p:cTn xmlns:p14="http://schemas.microsoft.com/office/powerpoint/2010/main" id="1" dur="indefinite" restart="never" nodeType="tmRoot"/>
       </p:par>
     </p:tnLst>
   </p:timing>
 </p:sld>
 </file>
 
-<file path=ppt/slides/slide4.xml><?xml version="1.0" encoding="utf-8"?>
+<file path=ppt/slides/slide5.xml><?xml version="1.0" encoding="utf-8"?>
 <p:sld xmlns:a="http://schemas.openxmlformats.org/drawingml/2006/main" xmlns:r="http://schemas.openxmlformats.org/officeDocument/2006/relationships" xmlns:p="http://schemas.openxmlformats.org/presentationml/2006/main">
   <p:cSld>
     <p:spTree>
@@ -5157,14 +5525,14 @@
   <p:timing>
     <p:tnLst>
       <p:par>
-        <p:cTn id="1" dur="indefinite" restart="never" nodeType="tmRoot"/>
+        <p:cTn xmlns:p14="http://schemas.microsoft.com/office/powerpoint/2010/main" id="1" dur="indefinite" restart="never" nodeType="tmRoot"/>
       </p:par>
     </p:tnLst>
   </p:timing>
 </p:sld>
 </file>
 
-<file path=ppt/slides/slide5.xml><?xml version="1.0" encoding="utf-8"?>
+<file path=ppt/slides/slide6.xml><?xml version="1.0" encoding="utf-8"?>
 <p:sld xmlns:a="http://schemas.openxmlformats.org/drawingml/2006/main" xmlns:r="http://schemas.openxmlformats.org/officeDocument/2006/relationships" xmlns:p="http://schemas.openxmlformats.org/presentationml/2006/main">
   <p:cSld>
     <p:spTree>
@@ -5325,20 +5693,20 @@
   <p:clrMapOvr>
     <a:masterClrMapping/>
   </p:clrMapOvr>
-  <p:transition spd="slow">
+  <p:transition xmlns:p14="http://schemas.microsoft.com/office/powerpoint/2010/main" spd="slow">
     <p:cut/>
   </p:transition>
   <p:timing>
     <p:tnLst>
       <p:par>
-        <p:cTn id="1" dur="indefinite" restart="never" nodeType="tmRoot"/>
+        <p:cTn xmlns:p14="http://schemas.microsoft.com/office/powerpoint/2010/main" id="1" dur="indefinite" restart="never" nodeType="tmRoot"/>
       </p:par>
     </p:tnLst>
   </p:timing>
 </p:sld>
 </file>
 
-<file path=ppt/slides/slide6.xml><?xml version="1.0" encoding="utf-8"?>
+<file path=ppt/slides/slide7.xml><?xml version="1.0" encoding="utf-8"?>
 <p:sld xmlns:a="http://schemas.openxmlformats.org/drawingml/2006/main" xmlns:r="http://schemas.openxmlformats.org/officeDocument/2006/relationships" xmlns:p="http://schemas.openxmlformats.org/presentationml/2006/main">
   <p:cSld>
     <p:spTree>
@@ -5751,13 +6119,13 @@
   <p:clrMapOvr>
     <a:masterClrMapping/>
   </p:clrMapOvr>
-  <p:transition spd="slow">
+  <p:transition xmlns:p14="http://schemas.microsoft.com/office/powerpoint/2010/main" spd="slow">
     <p:cut/>
   </p:transition>
   <p:timing>
     <p:tnLst>
       <p:par>
-        <p:cTn id="1" dur="indefinite" restart="never" nodeType="tmRoot"/>
+        <p:cTn xmlns:p14="http://schemas.microsoft.com/office/powerpoint/2010/main" id="1" dur="indefinite" restart="never" nodeType="tmRoot"/>
       </p:par>
     </p:tnLst>
   </p:timing>
